--- a/4. Dictionaries/08. Programming-Fundamentals-Extended-Dictionaries.pptx
+++ b/4. Dictionaries/08. Programming-Fundamentals-Extended-Dictionaries.pptx
@@ -167,7 +167,7 @@
       </p14:sectionLst>
     </p:ext>
     <p:ext uri="{EFAFB233-063F-42B5-8137-9DF3F51BA10A}">
-      <p15:sldGuideLst xmlns:p15="http://schemas.microsoft.com/office/powerpoint/2012/main" xmlns="">
+      <p15:sldGuideLst xmlns:p15="http://schemas.microsoft.com/office/powerpoint/2012/main">
         <p15:guide id="1" orient="horz" pos="2160" userDrawn="1">
           <p15:clr>
             <a:srgbClr val="A4A3A4"/>
@@ -181,7 +181,7 @@
       </p15:sldGuideLst>
     </p:ext>
     <p:ext uri="{2D200454-40CA-4A62-9FC3-DE9A4176ACB9}">
-      <p15:notesGuideLst xmlns:p15="http://schemas.microsoft.com/office/powerpoint/2012/main" xmlns="">
+      <p15:notesGuideLst xmlns:p15="http://schemas.microsoft.com/office/powerpoint/2012/main">
         <p15:guide id="1" orient="horz" pos="2880">
           <p15:clr>
             <a:srgbClr val="A4A3A4"/>
@@ -285,7 +285,7 @@
             <a:fld id="{FE5B4EDC-59C0-49C7-8ADA-5A781B329E02}" type="datetimeFigureOut">
               <a:rPr lang="en-US"/>
               <a:pPr/>
-              <a:t>7/9/2017</a:t>
+              <a:t>7/12/2017</a:t>
             </a:fld>
             <a:endParaRPr dirty="0"/>
           </a:p>
@@ -484,7 +484,7 @@
             <a:fld id="{F2D8D46A-B586-417D-BFBD-8C8FE0AAF762}" type="datetimeFigureOut">
               <a:rPr lang="en-US" smtClean="0"/>
               <a:pPr/>
-              <a:t>7/9/2017</a:t>
+              <a:t>7/12/2017</a:t>
             </a:fld>
             <a:endParaRPr lang="en-US" dirty="0"/>
           </a:p>
@@ -2488,7 +2488,7 @@
             <a:fld id="{055373AC-9AA7-423B-BA00-BA1C74164DBD}" type="datetime1">
               <a:rPr lang="en-US" smtClean="0"/>
               <a:pPr/>
-              <a:t>7/9/2017</a:t>
+              <a:t>7/12/2017</a:t>
             </a:fld>
             <a:endParaRPr lang="en-US" dirty="0"/>
           </a:p>
@@ -3637,7 +3637,7 @@
             <a:fld id="{055373AC-9AA7-423B-BA00-BA1C74164DBD}" type="datetime1">
               <a:rPr lang="en-US" smtClean="0"/>
               <a:pPr/>
-              <a:t>7/9/2017</a:t>
+              <a:t>7/12/2017</a:t>
             </a:fld>
             <a:endParaRPr lang="en-US" dirty="0"/>
           </a:p>
@@ -4166,7 +4166,7 @@
   </p:txStyles>
   <p:extLst mod="1">
     <p:ext uri="{27BBF7A9-308A-43DC-89C8-2F10F3537804}">
-      <p15:sldGuideLst xmlns:p15="http://schemas.microsoft.com/office/powerpoint/2012/main" xmlns="">
+      <p15:sldGuideLst xmlns:p15="http://schemas.microsoft.com/office/powerpoint/2012/main">
         <p15:guide id="1" orient="horz" pos="2160" userDrawn="1">
           <p15:clr>
             <a:srgbClr val="F26B43"/>
@@ -4571,7 +4571,7 @@
           <p:cNvPr id="16" name="Group 15">
             <a:extLst>
               <a:ext uri="{FF2B5EF4-FFF2-40B4-BE49-F238E27FC236}">
-                <a16:creationId xmlns:a16="http://schemas.microsoft.com/office/drawing/2014/main" xmlns="" id="{FA7EBE4B-D8AC-49E1-96D5-94CEEC840917}"/>
+                <a16:creationId xmlns:a16="http://schemas.microsoft.com/office/drawing/2014/main" id="{FA7EBE4B-D8AC-49E1-96D5-94CEEC840917}"/>
               </a:ext>
             </a:extLst>
           </p:cNvPr>
@@ -4591,7 +4591,7 @@
             <p:cNvPr id="17" name="Picture 2" descr="Image result for dictionary icon modern">
               <a:extLst>
                 <a:ext uri="{FF2B5EF4-FFF2-40B4-BE49-F238E27FC236}">
-                  <a16:creationId xmlns:a16="http://schemas.microsoft.com/office/drawing/2014/main" xmlns="" id="{09BBCFEA-5558-43A3-8722-4FB9DE16FA45}"/>
+                  <a16:creationId xmlns:a16="http://schemas.microsoft.com/office/drawing/2014/main" id="{09BBCFEA-5558-43A3-8722-4FB9DE16FA45}"/>
                 </a:ext>
               </a:extLst>
             </p:cNvPr>
@@ -4640,7 +4640,7 @@
             <p:cNvPr id="18" name="Picture 17">
               <a:extLst>
                 <a:ext uri="{FF2B5EF4-FFF2-40B4-BE49-F238E27FC236}">
-                  <a16:creationId xmlns:a16="http://schemas.microsoft.com/office/drawing/2014/main" xmlns="" id="{3074CE56-9634-42DB-8D29-73E4F498A014}"/>
+                  <a16:creationId xmlns:a16="http://schemas.microsoft.com/office/drawing/2014/main" id="{3074CE56-9634-42DB-8D29-73E4F498A014}"/>
                 </a:ext>
               </a:extLst>
             </p:cNvPr>
@@ -4670,7 +4670,7 @@
             <p:cNvPr id="19" name="Picture 18">
               <a:extLst>
                 <a:ext uri="{FF2B5EF4-FFF2-40B4-BE49-F238E27FC236}">
-                  <a16:creationId xmlns:a16="http://schemas.microsoft.com/office/drawing/2014/main" xmlns="" id="{C6919555-2952-4DB8-A79C-207AF8923351}"/>
+                  <a16:creationId xmlns:a16="http://schemas.microsoft.com/office/drawing/2014/main" id="{C6919555-2952-4DB8-A79C-207AF8923351}"/>
                 </a:ext>
               </a:extLst>
             </p:cNvPr>
@@ -4920,33 +4920,14 @@
                 <a:latin typeface="Consolas" panose="020B0609020204030204" pitchFamily="49" charset="0"/>
                 <a:cs typeface="Consolas" panose="020B0609020204030204" pitchFamily="49" charset="0"/>
               </a:rPr>
-              <a:t>.get</a:t>
-            </a:r>
-            <a:r>
-              <a:rPr lang="en-US" b="1" noProof="1" smtClean="0">
-                <a:solidFill>
-                  <a:schemeClr val="tx2">
-                    <a:lumMod val="75000"/>
-                  </a:schemeClr>
-                </a:solidFill>
-                <a:latin typeface="Consolas" panose="020B0609020204030204" pitchFamily="49" charset="0"/>
-                <a:cs typeface="Consolas" panose="020B0609020204030204" pitchFamily="49" charset="0"/>
-              </a:rPr>
-              <a:t>(</a:t>
+              <a:t>.get(</a:t>
             </a:r>
             <a:r>
               <a:rPr lang="en-US" noProof="1">
                 <a:latin typeface="Consolas" pitchFamily="49" charset="0"/>
                 <a:cs typeface="Consolas" pitchFamily="49" charset="0"/>
               </a:rPr>
-              <a:t>key</a:t>
-            </a:r>
-            <a:r>
-              <a:rPr lang="en-US" noProof="1">
-                <a:latin typeface="Consolas" pitchFamily="49" charset="0"/>
-                <a:cs typeface="Consolas" pitchFamily="49" charset="0"/>
-              </a:rPr>
-              <a:t>, </a:t>
+              <a:t>key, </a:t>
             </a:r>
             <a:r>
               <a:rPr lang="en-US" noProof="1" smtClean="0">
@@ -9995,7 +9976,6 @@
               <a:rPr lang="en-US" dirty="0"/>
               <a:t>:</a:t>
             </a:r>
-            <a:endParaRPr lang="en-US" dirty="0"/>
           </a:p>
           <a:p>
             <a:r>
@@ -10074,11 +10054,7 @@
             </a:r>
             <a:r>
               <a:rPr lang="en-US" dirty="0" smtClean="0"/>
-              <a:t>     </a:t>
-            </a:r>
-            <a:r>
-              <a:rPr lang="en-US" dirty="0" smtClean="0"/>
-              <a:t>counts</a:t>
+              <a:t>     counts</a:t>
             </a:r>
             <a:r>
               <a:rPr lang="en-US" dirty="0" smtClean="0">
@@ -10309,11 +10285,7 @@
             </a:r>
             <a:r>
               <a:rPr lang="en-US" dirty="0" smtClean="0"/>
-              <a:t>".join(</a:t>
-            </a:r>
-            <a:r>
-              <a:rPr lang="en-US" dirty="0" smtClean="0"/>
-              <a:t>results))</a:t>
+              <a:t>".join(results))</a:t>
             </a:r>
             <a:endParaRPr lang="en-US" dirty="0"/>
           </a:p>
@@ -12237,11 +12209,7 @@
             </a:r>
             <a:r>
               <a:rPr lang="en-US" sz="2800" dirty="0" smtClean="0"/>
-              <a:t>counts</a:t>
-            </a:r>
-            <a:r>
-              <a:rPr lang="en-US" sz="2800" dirty="0" smtClean="0"/>
-              <a:t>:</a:t>
+              <a:t>counts:</a:t>
             </a:r>
             <a:endParaRPr lang="en-US" sz="2800" dirty="0"/>
           </a:p>
@@ -12370,17 +12338,21 @@
                   </a:schemeClr>
                 </a:solidFill>
               </a:rPr>
-              <a:t>k</a:t>
-            </a:r>
-            <a:r>
-              <a:rPr lang="en-US" sz="2800" dirty="0" err="1" smtClean="0">
+              <a:t>keys</a:t>
+            </a:r>
+            <a:r>
+              <a:rPr lang="en-US" sz="2800" dirty="0" smtClean="0">
                 <a:solidFill>
                   <a:schemeClr val="tx2">
                     <a:lumMod val="75000"/>
                   </a:schemeClr>
                 </a:solidFill>
               </a:rPr>
-              <a:t>eys</a:t>
+              <a:t>()</a:t>
+            </a:r>
+            <a:r>
+              <a:rPr lang="en-US" sz="2800" dirty="0" smtClean="0"/>
+              <a:t>)</a:t>
             </a:r>
             <a:r>
               <a:rPr lang="en-US" sz="2800" dirty="0" smtClean="0">
@@ -12390,20 +12362,6 @@
                   </a:schemeClr>
                 </a:solidFill>
               </a:rPr>
-              <a:t>()</a:t>
-            </a:r>
-            <a:r>
-              <a:rPr lang="en-US" sz="2800" dirty="0" smtClean="0"/>
-              <a:t>)</a:t>
-            </a:r>
-            <a:r>
-              <a:rPr lang="en-US" sz="2800" dirty="0" smtClean="0">
-                <a:solidFill>
-                  <a:schemeClr val="tx2">
-                    <a:lumMod val="75000"/>
-                  </a:schemeClr>
-                </a:solidFill>
-              </a:rPr>
               <a:t>:</a:t>
             </a:r>
             <a:endParaRPr lang="en-US" sz="2800" dirty="0"/>
@@ -12423,11 +12381,7 @@
             </a:r>
             <a:r>
               <a:rPr lang="en-US" sz="2800" dirty="0" smtClean="0"/>
-              <a:t>{}".</a:t>
-            </a:r>
-            <a:r>
-              <a:rPr lang="en-US" sz="2800" dirty="0" smtClean="0"/>
-              <a:t>format(</a:t>
+              <a:t>{}".format(</a:t>
             </a:r>
             <a:r>
               <a:rPr lang="en-US" sz="2800" dirty="0" err="1" smtClean="0"/>
@@ -12443,11 +12397,7 @@
             </a:r>
             <a:r>
               <a:rPr lang="en-US" sz="2800" dirty="0" smtClean="0"/>
-              <a:t>]</a:t>
-            </a:r>
-            <a:r>
-              <a:rPr lang="en-US" sz="2800" dirty="0" smtClean="0"/>
-              <a:t>))</a:t>
+              <a:t>]))</a:t>
             </a:r>
             <a:endParaRPr lang="en-US" sz="2800" i="1" dirty="0">
               <a:solidFill>
@@ -14316,11 +14266,7 @@
             </a:r>
             <a:r>
               <a:rPr lang="en-US" dirty="0" smtClean="0"/>
-              <a:t>perator</a:t>
-            </a:r>
-            <a:r>
-              <a:rPr lang="en-US" dirty="0" smtClean="0"/>
-              <a:t> </a:t>
+              <a:t>perator </a:t>
             </a:r>
             <a:r>
               <a:rPr lang="en-US" b="1" noProof="1" smtClean="0">
@@ -15110,7 +15056,7 @@
         </p:nvSpPr>
         <p:spPr>
           <a:xfrm>
-            <a:off x="192001" y="1794761"/>
+            <a:off x="188815" y="2438400"/>
             <a:ext cx="11804822" cy="3268479"/>
           </a:xfrm>
           <a:prstGeom prst="rect">
@@ -15119,7 +15065,7 @@
         </p:spPr>
         <p:txBody>
           <a:bodyPr vert="horz" lIns="108000" tIns="36000" rIns="108000" bIns="36000" rtlCol="0">
-            <a:normAutofit/>
+            <a:normAutofit fontScale="77500" lnSpcReduction="20000"/>
           </a:bodyPr>
           <a:lstStyle>
             <a:lvl1pPr marL="304747" indent="-304747" algn="l" defTabSz="1218987" rtl="0" eaLnBrk="1" latinLnBrk="0" hangingPunct="1">
@@ -15358,14 +15304,14 @@
               <a:rPr lang="en-US" sz="6000" b="1" dirty="0"/>
             </a:br>
             <a:r>
-              <a:rPr lang="en-US" sz="11500" b="1" dirty="0"/>
+              <a:rPr lang="en-US" sz="12400" b="1" dirty="0" smtClean="0"/>
               <a:t>#</a:t>
             </a:r>
             <a:r>
-              <a:rPr lang="en-US" sz="11500" b="1" noProof="1"/>
-              <a:t>extended-softuni</a:t>
-            </a:r>
-            <a:endParaRPr lang="en-US" sz="6000" b="1" noProof="1"/>
+              <a:rPr lang="en-US" sz="12400" b="1" noProof="1" smtClean="0"/>
+              <a:t>PythonFundamentals</a:t>
+            </a:r>
+            <a:endParaRPr lang="en-US" sz="12400" b="1" noProof="1"/>
           </a:p>
           <a:p>
             <a:endParaRPr lang="en-US" dirty="0"/>
@@ -16410,14 +16356,14 @@
                   <a:gridCol w="2330768">
                     <a:extLst>
                       <a:ext uri="{9D8B030D-6E8A-4147-A177-3AD203B41FA5}">
-                        <a16:colId xmlns:a16="http://schemas.microsoft.com/office/drawing/2014/main" xmlns="" val="20000"/>
+                        <a16:colId xmlns:a16="http://schemas.microsoft.com/office/drawing/2014/main" val="20000"/>
                       </a:ext>
                     </a:extLst>
                   </a:gridCol>
                   <a:gridCol w="2526030">
                     <a:extLst>
                       <a:ext uri="{9D8B030D-6E8A-4147-A177-3AD203B41FA5}">
-                        <a16:colId xmlns:a16="http://schemas.microsoft.com/office/drawing/2014/main" xmlns="" val="20001"/>
+                        <a16:colId xmlns:a16="http://schemas.microsoft.com/office/drawing/2014/main" val="20001"/>
                       </a:ext>
                     </a:extLst>
                   </a:gridCol>
@@ -16651,7 +16597,7 @@
                   </a:tc>
                   <a:extLst>
                     <a:ext uri="{0D108BD9-81ED-4DB2-BD59-A6C34878D82A}">
-                      <a16:rowId xmlns:a16="http://schemas.microsoft.com/office/drawing/2014/main" xmlns="" val="10000"/>
+                      <a16:rowId xmlns:a16="http://schemas.microsoft.com/office/drawing/2014/main" val="10000"/>
                     </a:ext>
                   </a:extLst>
                 </a:tr>
@@ -16884,7 +16830,7 @@
                   </a:tc>
                   <a:extLst>
                     <a:ext uri="{0D108BD9-81ED-4DB2-BD59-A6C34878D82A}">
-                      <a16:rowId xmlns:a16="http://schemas.microsoft.com/office/drawing/2014/main" xmlns="" val="10001"/>
+                      <a16:rowId xmlns:a16="http://schemas.microsoft.com/office/drawing/2014/main" val="10001"/>
                     </a:ext>
                   </a:extLst>
                 </a:tr>
@@ -17117,7 +17063,7 @@
                   </a:tc>
                   <a:extLst>
                     <a:ext uri="{0D108BD9-81ED-4DB2-BD59-A6C34878D82A}">
-                      <a16:rowId xmlns:a16="http://schemas.microsoft.com/office/drawing/2014/main" xmlns="" val="10002"/>
+                      <a16:rowId xmlns:a16="http://schemas.microsoft.com/office/drawing/2014/main" val="10002"/>
                     </a:ext>
                   </a:extLst>
                 </a:tr>
@@ -17553,35 +17499,35 @@
                   <a:gridCol w="771774">
                     <a:extLst>
                       <a:ext uri="{9D8B030D-6E8A-4147-A177-3AD203B41FA5}">
-                        <a16:colId xmlns:a16="http://schemas.microsoft.com/office/drawing/2014/main" xmlns="" val="20000"/>
+                        <a16:colId xmlns:a16="http://schemas.microsoft.com/office/drawing/2014/main" val="20000"/>
                       </a:ext>
                     </a:extLst>
                   </a:gridCol>
                   <a:gridCol w="771774">
                     <a:extLst>
                       <a:ext uri="{9D8B030D-6E8A-4147-A177-3AD203B41FA5}">
-                        <a16:colId xmlns:a16="http://schemas.microsoft.com/office/drawing/2014/main" xmlns="" val="20001"/>
+                        <a16:colId xmlns:a16="http://schemas.microsoft.com/office/drawing/2014/main" val="20001"/>
                       </a:ext>
                     </a:extLst>
                   </a:gridCol>
                   <a:gridCol w="771774">
                     <a:extLst>
                       <a:ext uri="{9D8B030D-6E8A-4147-A177-3AD203B41FA5}">
-                        <a16:colId xmlns:a16="http://schemas.microsoft.com/office/drawing/2014/main" xmlns="" val="20002"/>
+                        <a16:colId xmlns:a16="http://schemas.microsoft.com/office/drawing/2014/main" val="20002"/>
                       </a:ext>
                     </a:extLst>
                   </a:gridCol>
                   <a:gridCol w="771774">
                     <a:extLst>
                       <a:ext uri="{9D8B030D-6E8A-4147-A177-3AD203B41FA5}">
-                        <a16:colId xmlns:a16="http://schemas.microsoft.com/office/drawing/2014/main" xmlns="" val="20003"/>
+                        <a16:colId xmlns:a16="http://schemas.microsoft.com/office/drawing/2014/main" val="20003"/>
                       </a:ext>
                     </a:extLst>
                   </a:gridCol>
                   <a:gridCol w="771774">
                     <a:extLst>
                       <a:ext uri="{9D8B030D-6E8A-4147-A177-3AD203B41FA5}">
-                        <a16:colId xmlns:a16="http://schemas.microsoft.com/office/drawing/2014/main" xmlns="" val="20004"/>
+                        <a16:colId xmlns:a16="http://schemas.microsoft.com/office/drawing/2014/main" val="20004"/>
                       </a:ext>
                     </a:extLst>
                   </a:gridCol>
@@ -18154,7 +18100,7 @@
                   </a:tc>
                   <a:extLst>
                     <a:ext uri="{0D108BD9-81ED-4DB2-BD59-A6C34878D82A}">
-                      <a16:rowId xmlns:a16="http://schemas.microsoft.com/office/drawing/2014/main" xmlns="" val="10000"/>
+                      <a16:rowId xmlns:a16="http://schemas.microsoft.com/office/drawing/2014/main" val="10000"/>
                     </a:ext>
                   </a:extLst>
                 </a:tr>
@@ -20063,15 +20009,7 @@
                   <a:schemeClr val="tx2"/>
                 </a:solidFill>
               </a:rPr>
-              <a:t>"</a:t>
-            </a:r>
-            <a:r>
-              <a:rPr lang="en-US" sz="3000" dirty="0" smtClean="0">
-                <a:solidFill>
-                  <a:schemeClr val="tx2"/>
-                </a:solidFill>
-              </a:rPr>
-              <a:t>Lisa Smith"</a:t>
+              <a:t>"Lisa Smith"</a:t>
             </a:r>
             <a:r>
               <a:rPr lang="en-US" sz="3000" dirty="0" smtClean="0">
@@ -20447,19 +20385,7 @@
                 <a:latin typeface="Consolas" panose="020B0609020204030204" pitchFamily="49" charset="0"/>
                 <a:cs typeface="Consolas" panose="020B0609020204030204" pitchFamily="49" charset="0"/>
               </a:rPr>
-              <a:t>l</a:t>
-            </a:r>
-            <a:r>
-              <a:rPr lang="en-US" b="1" dirty="0" err="1" smtClean="0">
-                <a:solidFill>
-                  <a:schemeClr val="tx2">
-                    <a:lumMod val="75000"/>
-                  </a:schemeClr>
-                </a:solidFill>
-                <a:latin typeface="Consolas" panose="020B0609020204030204" pitchFamily="49" charset="0"/>
-                <a:cs typeface="Consolas" panose="020B0609020204030204" pitchFamily="49" charset="0"/>
-              </a:rPr>
-              <a:t>en</a:t>
+              <a:t>len</a:t>
             </a:r>
             <a:r>
               <a:rPr lang="en-US" b="1" dirty="0" smtClean="0">
@@ -20792,19 +20718,11 @@
           <a:p>
             <a:r>
               <a:rPr lang="en-US" noProof="1"/>
-              <a:t>print(", </a:t>
-            </a:r>
-            <a:r>
-              <a:rPr lang="en-US" noProof="1"/>
-              <a:t>".</a:t>
+              <a:t>print(", ".</a:t>
             </a:r>
             <a:r>
               <a:rPr lang="en-US" noProof="1" smtClean="0"/>
-              <a:t>join(</a:t>
-            </a:r>
-            <a:r>
-              <a:rPr lang="en-US" noProof="1" smtClean="0"/>
-              <a:t>dict.</a:t>
+              <a:t>join(dict.</a:t>
             </a:r>
             <a:r>
               <a:rPr lang="en-US" noProof="1" smtClean="0">
@@ -20814,17 +20732,7 @@
                   </a:schemeClr>
                 </a:solidFill>
               </a:rPr>
-              <a:t>v</a:t>
-            </a:r>
-            <a:r>
-              <a:rPr lang="en-US" noProof="1" smtClean="0">
-                <a:solidFill>
-                  <a:schemeClr val="tx2">
-                    <a:lumMod val="75000"/>
-                  </a:schemeClr>
-                </a:solidFill>
-              </a:rPr>
-              <a:t>alues</a:t>
+              <a:t>values</a:t>
             </a:r>
             <a:r>
               <a:rPr lang="en-US" noProof="1" smtClean="0"/>
@@ -21326,11 +21234,7 @@
           <a:p>
             <a:r>
               <a:rPr lang="en-US" noProof="1"/>
-              <a:t>Dictionaries</a:t>
-            </a:r>
-            <a:r>
-              <a:rPr lang="en-US" noProof="1"/>
-              <a:t>: </a:t>
+              <a:t>Dictionaries: </a:t>
             </a:r>
             <a:r>
               <a:rPr lang="en-US" noProof="1" smtClean="0"/>
@@ -21404,11 +21308,7 @@
           <a:p>
             <a:r>
               <a:rPr lang="en-US" noProof="1" smtClean="0"/>
-              <a:t>print(</a:t>
-            </a:r>
-            <a:r>
-              <a:rPr lang="en-US" noProof="1" smtClean="0"/>
-              <a:t>dict</a:t>
+              <a:t>print(dict</a:t>
             </a:r>
             <a:r>
               <a:rPr lang="en-US" noProof="1" smtClean="0">
